--- a/poo/poo_sesion_6/POO_sesion_6.pptx
+++ b/poo/poo_sesion_6/POO_sesion_6.pptx
@@ -5,13 +5,14 @@
     <p:sldMasterId id="2147483648" r:id="rId1"/>
   </p:sldMasterIdLst>
   <p:notesMasterIdLst>
-    <p:notesMasterId r:id="rId6"/>
+    <p:notesMasterId r:id="rId7"/>
   </p:notesMasterIdLst>
   <p:sldIdLst>
     <p:sldId id="256" r:id="rId2"/>
     <p:sldId id="269" r:id="rId3"/>
     <p:sldId id="273" r:id="rId4"/>
-    <p:sldId id="271" r:id="rId5"/>
+    <p:sldId id="274" r:id="rId5"/>
+    <p:sldId id="271" r:id="rId6"/>
   </p:sldIdLst>
   <p:sldSz cx="12192000" cy="6858000"/>
   <p:notesSz cx="6858000" cy="9144000"/>
@@ -4169,7 +4170,7 @@
           <a:p>
             <a:fld id="{C1CD186F-C7C8-4620-A9A3-41C1DB8536CC}" type="slidenum">
               <a:rPr lang="es-ES" smtClean="0"/>
-              <a:t>4</a:t>
+              <a:t>5</a:t>
             </a:fld>
             <a:endParaRPr lang="es-ES"/>
           </a:p>
@@ -12183,8 +12184,21 @@
           <a:prstGeom prst="rect">
             <a:avLst/>
           </a:prstGeom>
-          <a:noFill/>
         </p:spPr>
+        <p:style>
+          <a:lnRef idx="2">
+            <a:schemeClr val="dk1"/>
+          </a:lnRef>
+          <a:fillRef idx="1">
+            <a:schemeClr val="lt1"/>
+          </a:fillRef>
+          <a:effectRef idx="0">
+            <a:schemeClr val="dk1"/>
+          </a:effectRef>
+          <a:fontRef idx="minor">
+            <a:schemeClr val="dk1"/>
+          </a:fontRef>
+        </p:style>
         <p:txBody>
           <a:bodyPr wrap="square" rtlCol="0">
             <a:spAutoFit/>
@@ -12193,7 +12207,23 @@
           <a:p>
             <a:r>
               <a:rPr lang="es-ES" dirty="0"/>
-              <a:t>La clase más especializada siempre es la clase que se encuentra en el nivel más bajo de la Herencia puesto que además de sus campos y métodos, heredará las funcionalidades y propiedades de las clases superiores</a:t>
+              <a:t>La </a:t>
+            </a:r>
+            <a:r>
+              <a:rPr lang="es-ES" b="1" dirty="0"/>
+              <a:t>clase más especializada </a:t>
+            </a:r>
+            <a:r>
+              <a:rPr lang="es-ES" dirty="0"/>
+              <a:t>siempre es la clase que se encuentra en el nivel más bajo de la </a:t>
+            </a:r>
+            <a:r>
+              <a:rPr lang="es-ES" b="1" dirty="0"/>
+              <a:t>herencia</a:t>
+            </a:r>
+            <a:r>
+              <a:rPr lang="es-ES" dirty="0"/>
+              <a:t> puesto que además de sus campos y métodos, heredará las funcionalidades y propiedades de las clases superiores</a:t>
             </a:r>
           </a:p>
         </p:txBody>
@@ -12335,215 +12365,6 @@
       </p:sp>
       <p:sp>
         <p:nvSpPr>
-          <p:cNvPr id="16" name="Globo: línea 15">
-            <a:extLst>
-              <a:ext uri="{FF2B5EF4-FFF2-40B4-BE49-F238E27FC236}">
-                <a16:creationId xmlns:a16="http://schemas.microsoft.com/office/drawing/2014/main" id="{A87E5D8C-5FF3-43BD-AA91-BD2658456505}"/>
-              </a:ext>
-            </a:extLst>
-          </p:cNvPr>
-          <p:cNvSpPr/>
-          <p:nvPr/>
-        </p:nvSpPr>
-        <p:spPr>
-          <a:xfrm>
-            <a:off x="3697723" y="5594551"/>
-            <a:ext cx="2042405" cy="534055"/>
-          </a:xfrm>
-          <a:prstGeom prst="borderCallout1">
-            <a:avLst>
-              <a:gd name="adj1" fmla="val 12913"/>
-              <a:gd name="adj2" fmla="val -1211"/>
-              <a:gd name="adj3" fmla="val -191023"/>
-              <a:gd name="adj4" fmla="val -31211"/>
-            </a:avLst>
-          </a:prstGeom>
-        </p:spPr>
-        <p:style>
-          <a:lnRef idx="2">
-            <a:schemeClr val="accent1">
-              <a:shade val="50000"/>
-            </a:schemeClr>
-          </a:lnRef>
-          <a:fillRef idx="1">
-            <a:schemeClr val="accent1"/>
-          </a:fillRef>
-          <a:effectRef idx="0">
-            <a:schemeClr val="accent1"/>
-          </a:effectRef>
-          <a:fontRef idx="minor">
-            <a:schemeClr val="lt1"/>
-          </a:fontRef>
-        </p:style>
-        <p:txBody>
-          <a:bodyPr rtlCol="0" anchor="ctr"/>
-          <a:lstStyle/>
-          <a:p>
-            <a:pPr algn="ctr"/>
-            <a:r>
-              <a:rPr lang="es-ES" sz="1200" dirty="0" err="1"/>
-              <a:t>dameNombre</a:t>
-            </a:r>
-            <a:r>
-              <a:rPr lang="es-ES" sz="1200" dirty="0"/>
-              <a:t>()</a:t>
-            </a:r>
-          </a:p>
-        </p:txBody>
-      </p:sp>
-      <p:sp>
-        <p:nvSpPr>
-          <p:cNvPr id="19" name="Globo: línea 18">
-            <a:extLst>
-              <a:ext uri="{FF2B5EF4-FFF2-40B4-BE49-F238E27FC236}">
-                <a16:creationId xmlns:a16="http://schemas.microsoft.com/office/drawing/2014/main" id="{66B06103-626B-4DE4-872D-20FE9A31657E}"/>
-              </a:ext>
-            </a:extLst>
-          </p:cNvPr>
-          <p:cNvSpPr/>
-          <p:nvPr/>
-        </p:nvSpPr>
-        <p:spPr>
-          <a:xfrm>
-            <a:off x="3697723" y="6233890"/>
-            <a:ext cx="2042405" cy="534055"/>
-          </a:xfrm>
-          <a:prstGeom prst="borderCallout1">
-            <a:avLst>
-              <a:gd name="adj1" fmla="val 30424"/>
-              <a:gd name="adj2" fmla="val -1719"/>
-              <a:gd name="adj3" fmla="val -307763"/>
-              <a:gd name="adj4" fmla="val -37825"/>
-            </a:avLst>
-          </a:prstGeom>
-        </p:spPr>
-        <p:style>
-          <a:lnRef idx="2">
-            <a:schemeClr val="accent1">
-              <a:shade val="50000"/>
-            </a:schemeClr>
-          </a:lnRef>
-          <a:fillRef idx="1">
-            <a:schemeClr val="accent1"/>
-          </a:fillRef>
-          <a:effectRef idx="0">
-            <a:schemeClr val="accent1"/>
-          </a:effectRef>
-          <a:fontRef idx="minor">
-            <a:schemeClr val="lt1"/>
-          </a:fontRef>
-        </p:style>
-        <p:txBody>
-          <a:bodyPr rtlCol="0" anchor="ctr"/>
-          <a:lstStyle/>
-          <a:p>
-            <a:pPr algn="ctr"/>
-            <a:r>
-              <a:rPr lang="es-ES" sz="1200" dirty="0" err="1"/>
-              <a:t>dameSueldo</a:t>
-            </a:r>
-            <a:r>
-              <a:rPr lang="es-ES" sz="1200" dirty="0"/>
-              <a:t>()</a:t>
-            </a:r>
-          </a:p>
-        </p:txBody>
-      </p:sp>
-      <p:sp>
-        <p:nvSpPr>
-          <p:cNvPr id="21" name="CuadroTexto 20">
-            <a:extLst>
-              <a:ext uri="{FF2B5EF4-FFF2-40B4-BE49-F238E27FC236}">
-                <a16:creationId xmlns:a16="http://schemas.microsoft.com/office/drawing/2014/main" id="{D5CD5E70-381B-4840-9940-208C3DD4A3C5}"/>
-              </a:ext>
-            </a:extLst>
-          </p:cNvPr>
-          <p:cNvSpPr txBox="1"/>
-          <p:nvPr/>
-        </p:nvSpPr>
-        <p:spPr>
-          <a:xfrm>
-            <a:off x="5912431" y="3800310"/>
-            <a:ext cx="6427088" cy="1477328"/>
-          </a:xfrm>
-          <a:prstGeom prst="rect">
-            <a:avLst/>
-          </a:prstGeom>
-          <a:noFill/>
-        </p:spPr>
-        <p:txBody>
-          <a:bodyPr wrap="square" rtlCol="0">
-            <a:spAutoFit/>
-          </a:bodyPr>
-          <a:lstStyle/>
-          <a:p>
-            <a:r>
-              <a:rPr lang="es-ES" dirty="0"/>
-              <a:t>Si añadimos una nueva clase como Persona, cabe preguntar cuál es la super clase. En este caso está claro. A continuación ver qué métodos heredarán las demás clases.  ¿Todas las personas tienen Nombre?¿Todas las personas tienen sueldo?</a:t>
-            </a:r>
-          </a:p>
-        </p:txBody>
-      </p:sp>
-      <p:sp>
-        <p:nvSpPr>
-          <p:cNvPr id="4" name="Globo: línea 3">
-            <a:extLst>
-              <a:ext uri="{FF2B5EF4-FFF2-40B4-BE49-F238E27FC236}">
-                <a16:creationId xmlns:a16="http://schemas.microsoft.com/office/drawing/2014/main" id="{338CB1F5-75BB-4F8D-BEC8-08CFF00D0CBE}"/>
-              </a:ext>
-            </a:extLst>
-          </p:cNvPr>
-          <p:cNvSpPr/>
-          <p:nvPr/>
-        </p:nvSpPr>
-        <p:spPr>
-          <a:xfrm>
-            <a:off x="3697722" y="4934454"/>
-            <a:ext cx="2042405" cy="534055"/>
-          </a:xfrm>
-          <a:prstGeom prst="borderCallout1">
-            <a:avLst>
-              <a:gd name="adj1" fmla="val 12913"/>
-              <a:gd name="adj2" fmla="val -1211"/>
-              <a:gd name="adj3" fmla="val -101522"/>
-              <a:gd name="adj4" fmla="val -29685"/>
-            </a:avLst>
-          </a:prstGeom>
-        </p:spPr>
-        <p:style>
-          <a:lnRef idx="2">
-            <a:schemeClr val="accent1">
-              <a:shade val="50000"/>
-            </a:schemeClr>
-          </a:lnRef>
-          <a:fillRef idx="1">
-            <a:schemeClr val="accent1"/>
-          </a:fillRef>
-          <a:effectRef idx="0">
-            <a:schemeClr val="accent1"/>
-          </a:effectRef>
-          <a:fontRef idx="minor">
-            <a:schemeClr val="lt1"/>
-          </a:fontRef>
-        </p:style>
-        <p:txBody>
-          <a:bodyPr rtlCol="0" anchor="ctr"/>
-          <a:lstStyle/>
-          <a:p>
-            <a:pPr algn="ctr"/>
-            <a:r>
-              <a:rPr lang="es-ES" sz="1200" dirty="0" err="1"/>
-              <a:t>dameDescripcion</a:t>
-            </a:r>
-            <a:r>
-              <a:rPr lang="es-ES" sz="1200" dirty="0"/>
-              <a:t>()</a:t>
-            </a:r>
-          </a:p>
-        </p:txBody>
-      </p:sp>
-      <p:sp>
-        <p:nvSpPr>
           <p:cNvPr id="6" name="CuadroTexto 5">
             <a:extLst>
               <a:ext uri="{FF2B5EF4-FFF2-40B4-BE49-F238E27FC236}">
@@ -12556,14 +12377,27 @@
         </p:nvSpPr>
         <p:spPr>
           <a:xfrm>
-            <a:off x="5912431" y="5398742"/>
-            <a:ext cx="5740126" cy="1477328"/>
+            <a:off x="5517571" y="4855801"/>
+            <a:ext cx="6427087" cy="1477328"/>
           </a:xfrm>
           <a:prstGeom prst="rect">
             <a:avLst/>
           </a:prstGeom>
-          <a:noFill/>
         </p:spPr>
+        <p:style>
+          <a:lnRef idx="2">
+            <a:schemeClr val="accent6"/>
+          </a:lnRef>
+          <a:fillRef idx="1">
+            <a:schemeClr val="lt1"/>
+          </a:fillRef>
+          <a:effectRef idx="0">
+            <a:schemeClr val="accent6"/>
+          </a:effectRef>
+          <a:fontRef idx="minor">
+            <a:schemeClr val="dk1"/>
+          </a:fontRef>
+        </p:style>
         <p:txBody>
           <a:bodyPr wrap="square" rtlCol="0">
             <a:spAutoFit/>
@@ -12572,16 +12406,287 @@
           <a:p>
             <a:r>
               <a:rPr lang="es-ES" dirty="0"/>
-              <a:t>Otra consideración es por ejemplo el método </a:t>
+              <a:t>Los atributos y métodos pueden ser coincidentes pero no siempre tienen el mismo significado.</a:t>
+            </a:r>
+          </a:p>
+          <a:p>
+            <a:r>
+              <a:rPr lang="es-ES" dirty="0"/>
+              <a:t>Por ejemplo si tenemos un método que una descripción de una persona, ¿ tiene que ser la misma información en un empleado que la de un alumno?</a:t>
+            </a:r>
+          </a:p>
+        </p:txBody>
+      </p:sp>
+      <p:sp>
+        <p:nvSpPr>
+          <p:cNvPr id="7" name="CuadroTexto 6">
+            <a:extLst>
+              <a:ext uri="{FF2B5EF4-FFF2-40B4-BE49-F238E27FC236}">
+                <a16:creationId xmlns:a16="http://schemas.microsoft.com/office/drawing/2014/main" id="{DB9EFF6A-5A43-4DC2-BE9F-D2C2BD6FDF9E}"/>
+              </a:ext>
+            </a:extLst>
+          </p:cNvPr>
+          <p:cNvSpPr txBox="1"/>
+          <p:nvPr/>
+        </p:nvSpPr>
+        <p:spPr>
+          <a:xfrm>
+            <a:off x="5517572" y="3780086"/>
+            <a:ext cx="6427087" cy="923330"/>
+          </a:xfrm>
+          <a:prstGeom prst="rect">
+            <a:avLst/>
+          </a:prstGeom>
+        </p:spPr>
+        <p:style>
+          <a:lnRef idx="1">
+            <a:schemeClr val="accent3"/>
+          </a:lnRef>
+          <a:fillRef idx="2">
+            <a:schemeClr val="accent3"/>
+          </a:fillRef>
+          <a:effectRef idx="1">
+            <a:schemeClr val="accent3"/>
+          </a:effectRef>
+          <a:fontRef idx="minor">
+            <a:schemeClr val="dk1"/>
+          </a:fontRef>
+        </p:style>
+        <p:txBody>
+          <a:bodyPr wrap="square" rtlCol="0">
+            <a:spAutoFit/>
+          </a:bodyPr>
+          <a:lstStyle/>
+          <a:p>
+            <a:r>
+              <a:rPr lang="es-ES" dirty="0"/>
+              <a:t>¿Qué atributos y métodos son heredables?</a:t>
+            </a:r>
+          </a:p>
+          <a:p>
+            <a:r>
+              <a:rPr lang="es-ES" dirty="0"/>
+              <a:t>Por ejemplo todas las personas tendrán un </a:t>
             </a:r>
             <a:r>
-              <a:rPr lang="es-ES" dirty="0" err="1"/>
-              <a:t>dameDescripcion</a:t>
+              <a:rPr lang="es-ES" b="1" dirty="0"/>
+              <a:t>nombre.</a:t>
+            </a:r>
+          </a:p>
+          <a:p>
+            <a:r>
+              <a:rPr lang="es-ES" dirty="0"/>
+              <a:t>Pero no todas las personas tienen una </a:t>
             </a:r>
             <a:r>
-              <a:rPr lang="es-ES" dirty="0"/>
-              <a:t>(). Está claro que todas las Personas la van a tener. ¿Pero es lo mismo la descripción de un empleado que la de un alumno?</a:t>
+              <a:rPr lang="es-ES" b="1" dirty="0"/>
+              <a:t>beca</a:t>
             </a:r>
+            <a:endParaRPr lang="es-ES_tradnl" b="1" dirty="0"/>
+          </a:p>
+        </p:txBody>
+      </p:sp>
+      <p:sp>
+        <p:nvSpPr>
+          <p:cNvPr id="8" name="Elipse 7">
+            <a:extLst>
+              <a:ext uri="{FF2B5EF4-FFF2-40B4-BE49-F238E27FC236}">
+                <a16:creationId xmlns:a16="http://schemas.microsoft.com/office/drawing/2014/main" id="{418C1926-726D-4FB9-BE3F-BB06076A3AD6}"/>
+              </a:ext>
+            </a:extLst>
+          </p:cNvPr>
+          <p:cNvSpPr/>
+          <p:nvPr/>
+        </p:nvSpPr>
+        <p:spPr>
+          <a:xfrm>
+            <a:off x="2104551" y="1437602"/>
+            <a:ext cx="1163782" cy="630382"/>
+          </a:xfrm>
+          <a:prstGeom prst="ellipse">
+            <a:avLst/>
+          </a:prstGeom>
+        </p:spPr>
+        <p:style>
+          <a:lnRef idx="2">
+            <a:schemeClr val="dk1">
+              <a:shade val="50000"/>
+            </a:schemeClr>
+          </a:lnRef>
+          <a:fillRef idx="1">
+            <a:schemeClr val="dk1"/>
+          </a:fillRef>
+          <a:effectRef idx="0">
+            <a:schemeClr val="dk1"/>
+          </a:effectRef>
+          <a:fontRef idx="minor">
+            <a:schemeClr val="lt1"/>
+          </a:fontRef>
+        </p:style>
+        <p:txBody>
+          <a:bodyPr rtlCol="0" anchor="ctr"/>
+          <a:lstStyle/>
+          <a:p>
+            <a:pPr algn="ctr"/>
+            <a:r>
+              <a:rPr lang="es-ES" sz="1050" dirty="0"/>
+              <a:t>nombre</a:t>
+            </a:r>
+            <a:endParaRPr lang="es-ES_tradnl" sz="1050" dirty="0"/>
+          </a:p>
+        </p:txBody>
+      </p:sp>
+      <p:sp>
+        <p:nvSpPr>
+          <p:cNvPr id="9" name="Elipse 8">
+            <a:extLst>
+              <a:ext uri="{FF2B5EF4-FFF2-40B4-BE49-F238E27FC236}">
+                <a16:creationId xmlns:a16="http://schemas.microsoft.com/office/drawing/2014/main" id="{94880848-F0CD-4DDA-B29F-87CBBF8CFDA8}"/>
+              </a:ext>
+            </a:extLst>
+          </p:cNvPr>
+          <p:cNvSpPr/>
+          <p:nvPr/>
+        </p:nvSpPr>
+        <p:spPr>
+          <a:xfrm>
+            <a:off x="3517715" y="4225419"/>
+            <a:ext cx="1163782" cy="630382"/>
+          </a:xfrm>
+          <a:prstGeom prst="ellipse">
+            <a:avLst/>
+          </a:prstGeom>
+        </p:spPr>
+        <p:style>
+          <a:lnRef idx="2">
+            <a:schemeClr val="dk1">
+              <a:shade val="50000"/>
+            </a:schemeClr>
+          </a:lnRef>
+          <a:fillRef idx="1">
+            <a:schemeClr val="dk1"/>
+          </a:fillRef>
+          <a:effectRef idx="0">
+            <a:schemeClr val="dk1"/>
+          </a:effectRef>
+          <a:fontRef idx="minor">
+            <a:schemeClr val="lt1"/>
+          </a:fontRef>
+        </p:style>
+        <p:txBody>
+          <a:bodyPr rtlCol="0" anchor="ctr"/>
+          <a:lstStyle/>
+          <a:p>
+            <a:pPr algn="ctr"/>
+            <a:r>
+              <a:rPr lang="es-ES" sz="1050" dirty="0"/>
+              <a:t>beca</a:t>
+            </a:r>
+            <a:endParaRPr lang="es-ES_tradnl" sz="1050" dirty="0"/>
+          </a:p>
+        </p:txBody>
+      </p:sp>
+      <p:sp>
+        <p:nvSpPr>
+          <p:cNvPr id="11" name="Elipse 10">
+            <a:extLst>
+              <a:ext uri="{FF2B5EF4-FFF2-40B4-BE49-F238E27FC236}">
+                <a16:creationId xmlns:a16="http://schemas.microsoft.com/office/drawing/2014/main" id="{89A153DB-EBFA-4CC9-BE00-1F688808AC16}"/>
+              </a:ext>
+            </a:extLst>
+          </p:cNvPr>
+          <p:cNvSpPr/>
+          <p:nvPr/>
+        </p:nvSpPr>
+        <p:spPr>
+          <a:xfrm>
+            <a:off x="887311" y="4117088"/>
+            <a:ext cx="1460315" cy="630382"/>
+          </a:xfrm>
+          <a:prstGeom prst="ellipse">
+            <a:avLst/>
+          </a:prstGeom>
+        </p:spPr>
+        <p:style>
+          <a:lnRef idx="3">
+            <a:schemeClr val="lt1"/>
+          </a:lnRef>
+          <a:fillRef idx="1">
+            <a:schemeClr val="accent4"/>
+          </a:fillRef>
+          <a:effectRef idx="1">
+            <a:schemeClr val="accent4"/>
+          </a:effectRef>
+          <a:fontRef idx="minor">
+            <a:schemeClr val="lt1"/>
+          </a:fontRef>
+        </p:style>
+        <p:txBody>
+          <a:bodyPr rtlCol="0" anchor="ctr"/>
+          <a:lstStyle/>
+          <a:p>
+            <a:pPr algn="ctr"/>
+            <a:r>
+              <a:rPr lang="es-ES" sz="1050" dirty="0" err="1"/>
+              <a:t>dimeInfo</a:t>
+            </a:r>
+            <a:r>
+              <a:rPr lang="es-ES" sz="1050" dirty="0"/>
+              <a:t>()</a:t>
+            </a:r>
+            <a:endParaRPr lang="es-ES_tradnl" sz="1050" dirty="0"/>
+          </a:p>
+        </p:txBody>
+      </p:sp>
+      <p:sp>
+        <p:nvSpPr>
+          <p:cNvPr id="13" name="Elipse 12">
+            <a:extLst>
+              <a:ext uri="{FF2B5EF4-FFF2-40B4-BE49-F238E27FC236}">
+                <a16:creationId xmlns:a16="http://schemas.microsoft.com/office/drawing/2014/main" id="{02031F02-080C-4AA1-B701-5C4509381B9F}"/>
+              </a:ext>
+            </a:extLst>
+          </p:cNvPr>
+          <p:cNvSpPr/>
+          <p:nvPr/>
+        </p:nvSpPr>
+        <p:spPr>
+          <a:xfrm>
+            <a:off x="3731676" y="3228193"/>
+            <a:ext cx="1460315" cy="630382"/>
+          </a:xfrm>
+          <a:prstGeom prst="ellipse">
+            <a:avLst/>
+          </a:prstGeom>
+        </p:spPr>
+        <p:style>
+          <a:lnRef idx="3">
+            <a:schemeClr val="lt1"/>
+          </a:lnRef>
+          <a:fillRef idx="1">
+            <a:schemeClr val="accent4"/>
+          </a:fillRef>
+          <a:effectRef idx="1">
+            <a:schemeClr val="accent4"/>
+          </a:effectRef>
+          <a:fontRef idx="minor">
+            <a:schemeClr val="lt1"/>
+          </a:fontRef>
+        </p:style>
+        <p:txBody>
+          <a:bodyPr rtlCol="0" anchor="ctr"/>
+          <a:lstStyle/>
+          <a:p>
+            <a:pPr algn="ctr"/>
+            <a:r>
+              <a:rPr lang="es-ES" sz="1050" dirty="0" err="1"/>
+              <a:t>dimeInfo</a:t>
+            </a:r>
+            <a:r>
+              <a:rPr lang="es-ES" sz="1050" dirty="0"/>
+              <a:t>()</a:t>
+            </a:r>
+            <a:endParaRPr lang="es-ES_tradnl" sz="1050" dirty="0"/>
           </a:p>
         </p:txBody>
       </p:sp>
@@ -12620,6 +12725,95 @@
           <p:cNvPr id="2" name="Título 1">
             <a:extLst>
               <a:ext uri="{FF2B5EF4-FFF2-40B4-BE49-F238E27FC236}">
+                <a16:creationId xmlns:a16="http://schemas.microsoft.com/office/drawing/2014/main" id="{9192DCE6-B767-4804-8432-EBA82E8B1655}"/>
+              </a:ext>
+            </a:extLst>
+          </p:cNvPr>
+          <p:cNvSpPr>
+            <a:spLocks noGrp="1"/>
+          </p:cNvSpPr>
+          <p:nvPr>
+            <p:ph type="title"/>
+          </p:nvPr>
+        </p:nvSpPr>
+        <p:spPr/>
+        <p:txBody>
+          <a:bodyPr/>
+          <a:lstStyle/>
+          <a:p>
+            <a:r>
+              <a:rPr lang="es-ES" dirty="0"/>
+              <a:t>Abstracción Ejemplo</a:t>
+            </a:r>
+            <a:endParaRPr lang="es-ES_tradnl" dirty="0"/>
+          </a:p>
+        </p:txBody>
+      </p:sp>
+      <p:pic>
+        <p:nvPicPr>
+          <p:cNvPr id="4" name="Imagen 3">
+            <a:extLst>
+              <a:ext uri="{FF2B5EF4-FFF2-40B4-BE49-F238E27FC236}">
+                <a16:creationId xmlns:a16="http://schemas.microsoft.com/office/drawing/2014/main" id="{5B90564A-BD51-47C3-ADC9-8722C0739114}"/>
+              </a:ext>
+            </a:extLst>
+          </p:cNvPr>
+          <p:cNvPicPr>
+            <a:picLocks noChangeAspect="1"/>
+          </p:cNvPicPr>
+          <p:nvPr/>
+        </p:nvPicPr>
+        <p:blipFill>
+          <a:blip r:embed="rId2"/>
+          <a:stretch>
+            <a:fillRect/>
+          </a:stretch>
+        </p:blipFill>
+        <p:spPr>
+          <a:xfrm>
+            <a:off x="3681453" y="1476807"/>
+            <a:ext cx="5917623" cy="4960360"/>
+          </a:xfrm>
+          <a:prstGeom prst="rect">
+            <a:avLst/>
+          </a:prstGeom>
+        </p:spPr>
+      </p:pic>
+    </p:spTree>
+    <p:extLst>
+      <p:ext uri="{BB962C8B-B14F-4D97-AF65-F5344CB8AC3E}">
+        <p14:creationId xmlns:p14="http://schemas.microsoft.com/office/powerpoint/2010/main" val="2053158870"/>
+      </p:ext>
+    </p:extLst>
+  </p:cSld>
+  <p:clrMapOvr>
+    <a:masterClrMapping/>
+  </p:clrMapOvr>
+</p:sld>
+</file>
+
+<file path=ppt/slides/slide5.xml><?xml version="1.0" encoding="utf-8"?>
+<p:sld xmlns:a="http://schemas.openxmlformats.org/drawingml/2006/main" xmlns:r="http://schemas.openxmlformats.org/officeDocument/2006/relationships" xmlns:p="http://schemas.openxmlformats.org/presentationml/2006/main">
+  <p:cSld>
+    <p:spTree>
+      <p:nvGrpSpPr>
+        <p:cNvPr id="1" name=""/>
+        <p:cNvGrpSpPr/>
+        <p:nvPr/>
+      </p:nvGrpSpPr>
+      <p:grpSpPr>
+        <a:xfrm>
+          <a:off x="0" y="0"/>
+          <a:ext cx="0" cy="0"/>
+          <a:chOff x="0" y="0"/>
+          <a:chExt cx="0" cy="0"/>
+        </a:xfrm>
+      </p:grpSpPr>
+      <p:sp>
+        <p:nvSpPr>
+          <p:cNvPr id="2" name="Título 1">
+            <a:extLst>
+              <a:ext uri="{FF2B5EF4-FFF2-40B4-BE49-F238E27FC236}">
                 <a16:creationId xmlns:a16="http://schemas.microsoft.com/office/drawing/2014/main" id="{AF9ABCDB-A73F-4BA5-8BCC-E8F204A87621}"/>
               </a:ext>
             </a:extLst>
@@ -12638,7 +12832,7 @@
           <a:p>
             <a:r>
               <a:rPr lang="es-ES" dirty="0"/>
-              <a:t>Abstracción. </a:t>
+              <a:t>Abstracción. Ejercicio</a:t>
             </a:r>
           </a:p>
         </p:txBody>

--- a/poo/poo_sesion_6/POO_sesion_6.pptx
+++ b/poo/poo_sesion_6/POO_sesion_6.pptx
@@ -3619,7 +3619,7 @@
           <a:p>
             <a:fld id="{0DE85A85-04DF-46C3-B7C9-8F90C6DA9F04}" type="datetimeFigureOut">
               <a:rPr lang="es-ES" smtClean="0"/>
-              <a:t>22/09/2020</a:t>
+              <a:t>23/09/2020</a:t>
             </a:fld>
             <a:endParaRPr lang="es-ES"/>
           </a:p>
@@ -4378,7 +4378,7 @@
             <a:fld id="{B61BEF0D-F0BB-DE4B-95CE-6DB70DBA9567}" type="datetimeFigureOut">
               <a:rPr lang="en-US" dirty="0"/>
               <a:pPr/>
-              <a:t>9/22/2020</a:t>
+              <a:t>9/23/2020</a:t>
             </a:fld>
             <a:endParaRPr lang="en-US" dirty="0"/>
           </a:p>
@@ -4713,7 +4713,7 @@
             <a:fld id="{B61BEF0D-F0BB-DE4B-95CE-6DB70DBA9567}" type="datetimeFigureOut">
               <a:rPr lang="en-US" dirty="0"/>
               <a:pPr/>
-              <a:t>9/22/2020</a:t>
+              <a:t>9/23/2020</a:t>
             </a:fld>
             <a:endParaRPr lang="en-US" dirty="0"/>
           </a:p>
@@ -5111,7 +5111,7 @@
             <a:fld id="{B61BEF0D-F0BB-DE4B-95CE-6DB70DBA9567}" type="datetimeFigureOut">
               <a:rPr lang="en-US" dirty="0"/>
               <a:pPr/>
-              <a:t>9/22/2020</a:t>
+              <a:t>9/23/2020</a:t>
             </a:fld>
             <a:endParaRPr lang="en-US" dirty="0"/>
           </a:p>
@@ -5444,7 +5444,7 @@
             <a:fld id="{B61BEF0D-F0BB-DE4B-95CE-6DB70DBA9567}" type="datetimeFigureOut">
               <a:rPr lang="en-US" dirty="0"/>
               <a:pPr/>
-              <a:t>9/22/2020</a:t>
+              <a:t>9/23/2020</a:t>
             </a:fld>
             <a:endParaRPr lang="en-US" dirty="0"/>
           </a:p>
@@ -5761,7 +5761,7 @@
             <a:fld id="{B61BEF0D-F0BB-DE4B-95CE-6DB70DBA9567}" type="datetimeFigureOut">
               <a:rPr lang="en-US" dirty="0"/>
               <a:pPr/>
-              <a:t>9/22/2020</a:t>
+              <a:t>9/23/2020</a:t>
             </a:fld>
             <a:endParaRPr lang="en-US" dirty="0"/>
           </a:p>
@@ -6154,7 +6154,7 @@
             <a:fld id="{B61BEF0D-F0BB-DE4B-95CE-6DB70DBA9567}" type="datetimeFigureOut">
               <a:rPr lang="en-US" dirty="0"/>
               <a:pPr/>
-              <a:t>9/22/2020</a:t>
+              <a:t>9/23/2020</a:t>
             </a:fld>
             <a:endParaRPr lang="en-US" dirty="0"/>
           </a:p>
@@ -6408,7 +6408,7 @@
             <a:fld id="{B61BEF0D-F0BB-DE4B-95CE-6DB70DBA9567}" type="datetimeFigureOut">
               <a:rPr lang="en-US" dirty="0"/>
               <a:pPr/>
-              <a:t>9/22/2020</a:t>
+              <a:t>9/23/2020</a:t>
             </a:fld>
             <a:endParaRPr lang="en-US" dirty="0"/>
           </a:p>
@@ -6667,7 +6667,7 @@
             <a:fld id="{B61BEF0D-F0BB-DE4B-95CE-6DB70DBA9567}" type="datetimeFigureOut">
               <a:rPr lang="en-US" dirty="0"/>
               <a:pPr/>
-              <a:t>9/22/2020</a:t>
+              <a:t>9/23/2020</a:t>
             </a:fld>
             <a:endParaRPr lang="en-US" dirty="0"/>
           </a:p>
@@ -6926,7 +6926,7 @@
             <a:fld id="{B61BEF0D-F0BB-DE4B-95CE-6DB70DBA9567}" type="datetimeFigureOut">
               <a:rPr lang="en-US" dirty="0"/>
               <a:pPr/>
-              <a:t>9/22/2020</a:t>
+              <a:t>9/23/2020</a:t>
             </a:fld>
             <a:endParaRPr lang="en-US" dirty="0"/>
           </a:p>
@@ -7252,7 +7252,7 @@
             <a:fld id="{B61BEF0D-F0BB-DE4B-95CE-6DB70DBA9567}" type="datetimeFigureOut">
               <a:rPr lang="en-US" dirty="0"/>
               <a:pPr/>
-              <a:t>9/22/2020</a:t>
+              <a:t>9/23/2020</a:t>
             </a:fld>
             <a:endParaRPr lang="en-US" dirty="0"/>
           </a:p>
@@ -7572,7 +7572,7 @@
             <a:fld id="{B61BEF0D-F0BB-DE4B-95CE-6DB70DBA9567}" type="datetimeFigureOut">
               <a:rPr lang="en-US" dirty="0"/>
               <a:pPr/>
-              <a:t>9/22/2020</a:t>
+              <a:t>9/23/2020</a:t>
             </a:fld>
             <a:endParaRPr lang="en-US" dirty="0"/>
           </a:p>
@@ -8026,7 +8026,7 @@
             <a:fld id="{B61BEF0D-F0BB-DE4B-95CE-6DB70DBA9567}" type="datetimeFigureOut">
               <a:rPr lang="en-US" dirty="0"/>
               <a:pPr/>
-              <a:t>9/22/2020</a:t>
+              <a:t>9/23/2020</a:t>
             </a:fld>
             <a:endParaRPr lang="en-US" dirty="0"/>
           </a:p>
@@ -8228,7 +8228,7 @@
             <a:fld id="{B61BEF0D-F0BB-DE4B-95CE-6DB70DBA9567}" type="datetimeFigureOut">
               <a:rPr lang="en-US" dirty="0"/>
               <a:pPr/>
-              <a:t>9/22/2020</a:t>
+              <a:t>9/23/2020</a:t>
             </a:fld>
             <a:endParaRPr lang="en-US" dirty="0"/>
           </a:p>
@@ -8402,7 +8402,7 @@
             <a:fld id="{B61BEF0D-F0BB-DE4B-95CE-6DB70DBA9567}" type="datetimeFigureOut">
               <a:rPr lang="en-US" dirty="0"/>
               <a:pPr/>
-              <a:t>9/22/2020</a:t>
+              <a:t>9/23/2020</a:t>
             </a:fld>
             <a:endParaRPr lang="en-US" dirty="0"/>
           </a:p>
@@ -8732,7 +8732,7 @@
             <a:fld id="{B61BEF0D-F0BB-DE4B-95CE-6DB70DBA9567}" type="datetimeFigureOut">
               <a:rPr lang="en-US" dirty="0"/>
               <a:pPr/>
-              <a:t>9/22/2020</a:t>
+              <a:t>9/23/2020</a:t>
             </a:fld>
             <a:endParaRPr lang="en-US" dirty="0"/>
           </a:p>
@@ -9074,7 +9074,7 @@
             <a:fld id="{B61BEF0D-F0BB-DE4B-95CE-6DB70DBA9567}" type="datetimeFigureOut">
               <a:rPr lang="en-US" dirty="0"/>
               <a:pPr/>
-              <a:t>9/22/2020</a:t>
+              <a:t>9/23/2020</a:t>
             </a:fld>
             <a:endParaRPr lang="en-US" dirty="0"/>
           </a:p>
@@ -11188,7 +11188,7 @@
             <a:fld id="{B61BEF0D-F0BB-DE4B-95CE-6DB70DBA9567}" type="datetimeFigureOut">
               <a:rPr lang="en-US" dirty="0"/>
               <a:pPr/>
-              <a:t>9/22/2020</a:t>
+              <a:t>9/23/2020</a:t>
             </a:fld>
             <a:endParaRPr lang="en-US" dirty="0"/>
           </a:p>
@@ -12839,10 +12839,10 @@
       </p:sp>
       <p:pic>
         <p:nvPicPr>
-          <p:cNvPr id="7" name="Imagen 6">
+          <p:cNvPr id="4" name="Imagen 3">
             <a:extLst>
               <a:ext uri="{FF2B5EF4-FFF2-40B4-BE49-F238E27FC236}">
-                <a16:creationId xmlns:a16="http://schemas.microsoft.com/office/drawing/2014/main" id="{D339C275-155C-46BB-9DBC-B367990FB333}"/>
+                <a16:creationId xmlns:a16="http://schemas.microsoft.com/office/drawing/2014/main" id="{77E07C54-1979-4145-AE3E-A97A21551696}"/>
               </a:ext>
             </a:extLst>
           </p:cNvPr>
@@ -12859,7 +12859,7 @@
         </p:blipFill>
         <p:spPr>
           <a:xfrm>
-            <a:off x="1998951" y="1890490"/>
+            <a:off x="2061296" y="1890490"/>
             <a:ext cx="8505825" cy="4343400"/>
           </a:xfrm>
           <a:prstGeom prst="rect">

--- a/poo/poo_sesion_6/POO_sesion_6.pptx
+++ b/poo/poo_sesion_6/POO_sesion_6.pptx
@@ -12839,10 +12839,10 @@
       </p:sp>
       <p:pic>
         <p:nvPicPr>
-          <p:cNvPr id="4" name="Imagen 3">
+          <p:cNvPr id="5" name="Imagen 4">
             <a:extLst>
               <a:ext uri="{FF2B5EF4-FFF2-40B4-BE49-F238E27FC236}">
-                <a16:creationId xmlns:a16="http://schemas.microsoft.com/office/drawing/2014/main" id="{77E07C54-1979-4145-AE3E-A97A21551696}"/>
+                <a16:creationId xmlns:a16="http://schemas.microsoft.com/office/drawing/2014/main" id="{831E978A-8EB3-4997-BB90-ED982BF3717F}"/>
               </a:ext>
             </a:extLst>
           </p:cNvPr>
@@ -12859,7 +12859,7 @@
         </p:blipFill>
         <p:spPr>
           <a:xfrm>
-            <a:off x="2061296" y="1890490"/>
+            <a:off x="1926215" y="1890490"/>
             <a:ext cx="8505825" cy="4343400"/>
           </a:xfrm>
           <a:prstGeom prst="rect">
